--- a/Checkers Project Presentation.pptx
+++ b/Checkers Project Presentation.pptx
@@ -6467,11 +6467,11 @@
         </p:spPr>
         <p:txBody>
           <a:bodyPr anchorCtr="0" anchor="t" bIns="91425" lIns="91425" spcFirstLastPara="1" rIns="91425" wrap="square" tIns="91425">
-            <a:normAutofit fontScale="92500"/>
+            <a:normAutofit/>
           </a:bodyPr>
           <a:lstStyle/>
           <a:p>
-            <a:pPr indent="-334327" lvl="0" marL="457200" rtl="0" algn="l">
+            <a:pPr indent="-342900" lvl="0" marL="457200" rtl="0" algn="l">
               <a:spcBef>
                 <a:spcPts val="0"/>
               </a:spcBef>
@@ -6481,7 +6481,7 @@
               <a:buClr>
                 <a:srgbClr val="000000"/>
               </a:buClr>
-              <a:buSzPct val="100000"/>
+              <a:buSzPts val="1800"/>
               <a:buChar char="●"/>
             </a:pPr>
             <a:r>
@@ -6499,7 +6499,7 @@
             </a:endParaRPr>
           </a:p>
           <a:p>
-            <a:pPr indent="-334327" lvl="0" marL="457200" rtl="0" algn="l">
+            <a:pPr indent="-342900" lvl="0" marL="457200" rtl="0" algn="l">
               <a:spcBef>
                 <a:spcPts val="0"/>
               </a:spcBef>
@@ -6509,7 +6509,7 @@
               <a:buClr>
                 <a:srgbClr val="000000"/>
               </a:buClr>
-              <a:buSzPct val="100000"/>
+              <a:buSzPts val="1800"/>
               <a:buChar char="●"/>
             </a:pPr>
             <a:r>
@@ -6518,7 +6518,7 @@
                   <a:srgbClr val="000000"/>
                 </a:solidFill>
               </a:rPr>
-              <a:t>The project enforces the rules of an actual game of checkers </a:t>
+              <a:t>Enforces the rules of an actual game of checkers </a:t>
             </a:r>
             <a:endParaRPr>
               <a:solidFill>
@@ -6527,7 +6527,7 @@
             </a:endParaRPr>
           </a:p>
           <a:p>
-            <a:pPr indent="-334327" lvl="0" marL="457200" rtl="0" algn="l">
+            <a:pPr indent="-342900" lvl="0" marL="457200" rtl="0" algn="l">
               <a:spcBef>
                 <a:spcPts val="0"/>
               </a:spcBef>
@@ -6537,7 +6537,7 @@
               <a:buClr>
                 <a:srgbClr val="000000"/>
               </a:buClr>
-              <a:buSzPct val="100000"/>
+              <a:buSzPts val="1800"/>
               <a:buChar char="●"/>
             </a:pPr>
             <a:r>
@@ -6546,7 +6546,7 @@
                   <a:srgbClr val="000000"/>
                 </a:solidFill>
               </a:rPr>
-              <a:t>The project features some customization options </a:t>
+              <a:t>Customization</a:t>
             </a:r>
             <a:endParaRPr>
               <a:solidFill>
@@ -6555,7 +6555,7 @@
             </a:endParaRPr>
           </a:p>
           <a:p>
-            <a:pPr indent="-334327" lvl="0" marL="457200" rtl="0" algn="l">
+            <a:pPr indent="-342900" lvl="0" marL="457200" rtl="0" algn="l">
               <a:spcBef>
                 <a:spcPts val="0"/>
               </a:spcBef>
@@ -6565,7 +6565,7 @@
               <a:buClr>
                 <a:srgbClr val="000000"/>
               </a:buClr>
-              <a:buSzPct val="100000"/>
+              <a:buSzPts val="1800"/>
               <a:buChar char="●"/>
             </a:pPr>
             <a:r>
@@ -6574,7 +6574,7 @@
                   <a:srgbClr val="000000"/>
                 </a:solidFill>
               </a:rPr>
-              <a:t>We chose to create a checkers program because we wanted to adapt a board game using WPF</a:t>
+              <a:t>We chose to create a checkers program because we wanted to adapt a board game.</a:t>
             </a:r>
             <a:endParaRPr>
               <a:solidFill>
@@ -6583,7 +6583,7 @@
             </a:endParaRPr>
           </a:p>
           <a:p>
-            <a:pPr indent="-334327" lvl="0" marL="457200" rtl="0" algn="l">
+            <a:pPr indent="-342900" lvl="0" marL="457200" rtl="0" algn="l">
               <a:spcBef>
                 <a:spcPts val="0"/>
               </a:spcBef>
@@ -6593,7 +6593,7 @@
               <a:buClr>
                 <a:srgbClr val="000000"/>
               </a:buClr>
-              <a:buSzPct val="100000"/>
+              <a:buSzPts val="1800"/>
               <a:buChar char="●"/>
             </a:pPr>
             <a:r>
@@ -6602,7 +6602,7 @@
                   <a:srgbClr val="000000"/>
                 </a:solidFill>
               </a:rPr>
-              <a:t>We originally wanted to adapt chess, but switched to checkers</a:t>
+              <a:t>We originally wanted to adapt chess. </a:t>
             </a:r>
             <a:endParaRPr>
               <a:solidFill>
@@ -6611,7 +6611,7 @@
             </a:endParaRPr>
           </a:p>
           <a:p>
-            <a:pPr indent="-334327" lvl="0" marL="457200" rtl="0" algn="l">
+            <a:pPr indent="-342900" lvl="0" marL="457200" rtl="0" algn="l">
               <a:spcBef>
                 <a:spcPts val="0"/>
               </a:spcBef>
@@ -6621,7 +6621,7 @@
               <a:buClr>
                 <a:srgbClr val="000000"/>
               </a:buClr>
-              <a:buSzPct val="100000"/>
+              <a:buSzPts val="1800"/>
               <a:buChar char="●"/>
             </a:pPr>
             <a:r>
@@ -6630,7 +6630,7 @@
                   <a:srgbClr val="000000"/>
                 </a:solidFill>
               </a:rPr>
-              <a:t>This project is for people who are already familiar with </a:t>
+              <a:t>This project is mainly for people who are already familiar with </a:t>
             </a:r>
             <a:r>
               <a:rPr lang="en">
@@ -6638,7 +6638,7 @@
                   <a:srgbClr val="000000"/>
                 </a:solidFill>
               </a:rPr>
-              <a:t>checkers, but it could also be used by people who are not since the game enforces the rules.</a:t>
+              <a:t>checkers. </a:t>
             </a:r>
             <a:endParaRPr>
               <a:solidFill>
@@ -6752,7 +6752,7 @@
         <p:spPr>
           <a:xfrm>
             <a:off x="311700" y="1152475"/>
-            <a:ext cx="4260300" cy="3416400"/>
+            <a:ext cx="4260300" cy="2397000"/>
           </a:xfrm>
           <a:prstGeom prst="rect">
             <a:avLst/>
@@ -6760,7 +6760,7 @@
         </p:spPr>
         <p:txBody>
           <a:bodyPr anchorCtr="0" anchor="t" bIns="91425" lIns="91425" spcFirstLastPara="1" rIns="91425" wrap="square" tIns="91425">
-            <a:normAutofit lnSpcReduction="20000"/>
+            <a:normAutofit/>
           </a:bodyPr>
           <a:lstStyle/>
           <a:p>
@@ -6811,7 +6811,7 @@
                   <a:schemeClr val="dk1"/>
                 </a:solidFill>
               </a:rPr>
-              <a:t>The checker pieces are png image files with transparent backgrounds that we made online.</a:t>
+              <a:t>The checker pieces are png image files with transparent backgrounds.</a:t>
             </a:r>
             <a:endParaRPr sz="1300">
               <a:solidFill>
@@ -6839,7 +6839,7 @@
                   <a:schemeClr val="dk1"/>
                 </a:solidFill>
               </a:rPr>
-              <a:t>All of the windows in our program use the LinearGradientBrush class that is built into C#.</a:t>
+              <a:t>Windows in our program use the LinearGradientBrush class.</a:t>
             </a:r>
             <a:endParaRPr sz="1300">
               <a:solidFill>
@@ -6895,15 +6895,7 @@
                   <a:schemeClr val="dk1"/>
                 </a:solidFill>
               </a:rPr>
-              <a:t>We used the factory design pattern to allow for the user to change the color of the </a:t>
-            </a:r>
-            <a:r>
-              <a:rPr lang="en" sz="1300">
-                <a:solidFill>
-                  <a:schemeClr val="dk1"/>
-                </a:solidFill>
-              </a:rPr>
-              <a:t>squares </a:t>
+              <a:t>We used the factory design pattern.</a:t>
             </a:r>
             <a:endParaRPr sz="1300">
               <a:solidFill>
@@ -6931,35 +6923,7 @@
                   <a:schemeClr val="dk1"/>
                 </a:solidFill>
               </a:rPr>
-              <a:t>We used the decorator pattern to change the pieces to kings once they reach the other side of the board.</a:t>
-            </a:r>
-            <a:endParaRPr sz="1300">
-              <a:solidFill>
-                <a:schemeClr val="dk1"/>
-              </a:solidFill>
-            </a:endParaRPr>
-          </a:p>
-          <a:p>
-            <a:pPr indent="-311150" lvl="0" marL="457200" rtl="0" algn="l">
-              <a:spcBef>
-                <a:spcPts val="0"/>
-              </a:spcBef>
-              <a:spcAft>
-                <a:spcPts val="0"/>
-              </a:spcAft>
-              <a:buClr>
-                <a:schemeClr val="dk1"/>
-              </a:buClr>
-              <a:buSzPts val="1300"/>
-              <a:buChar char="●"/>
-            </a:pPr>
-            <a:r>
-              <a:rPr lang="en" sz="1300">
-                <a:solidFill>
-                  <a:schemeClr val="dk1"/>
-                </a:solidFill>
-              </a:rPr>
-              <a:t>Whenever a piece reaches the other side of the board, a KingDecorator is made and put as a component to the piece that needs to be promoted.</a:t>
+              <a:t>We used the decorator pattern.</a:t>
             </a:r>
             <a:endParaRPr sz="1300">
               <a:solidFill>
@@ -7104,7 +7068,7 @@
                   <a:schemeClr val="dk1"/>
                 </a:solidFill>
               </a:rPr>
-              <a:t>This is the UML for the entire project. </a:t>
+              <a:t>The Factory method can be seen at the top. </a:t>
             </a:r>
             <a:endParaRPr sz="1400">
               <a:solidFill>
@@ -7132,7 +7096,7 @@
                   <a:schemeClr val="dk1"/>
                 </a:solidFill>
               </a:rPr>
-              <a:t>On the top, the Factory can be seen and the decorator can be seen at the bottom. </a:t>
+              <a:t>The decorator is at the bottom. </a:t>
             </a:r>
             <a:endParaRPr sz="1400">
               <a:solidFill>
@@ -7160,7 +7124,7 @@
                   <a:schemeClr val="dk1"/>
                 </a:solidFill>
               </a:rPr>
-              <a:t>The middle of the UML </a:t>
+              <a:t>The middle </a:t>
             </a:r>
             <a:r>
               <a:rPr lang="en" sz="1400">
@@ -7168,7 +7132,7 @@
                   <a:schemeClr val="dk1"/>
                 </a:solidFill>
               </a:rPr>
-              <a:t>shows the different windows in the program and how they interact with the other class files.</a:t>
+              <a:t>shows the different windows in the program. </a:t>
             </a:r>
             <a:endParaRPr sz="1400">
               <a:solidFill>
@@ -7194,8 +7158,8 @@
         </p:blipFill>
         <p:spPr>
           <a:xfrm>
-            <a:off x="3232200" y="290775"/>
-            <a:ext cx="5911799" cy="4561953"/>
+            <a:off x="3124775" y="1017726"/>
+            <a:ext cx="5964248" cy="3803149"/>
           </a:xfrm>
           <a:prstGeom prst="rect">
             <a:avLst/>
@@ -7290,7 +7254,7 @@
         </p:spPr>
         <p:txBody>
           <a:bodyPr anchorCtr="0" anchor="t" bIns="91425" lIns="91425" spcFirstLastPara="1" rIns="91425" wrap="square" tIns="91425">
-            <a:normAutofit lnSpcReduction="10000"/>
+            <a:normAutofit/>
           </a:bodyPr>
           <a:lstStyle/>
           <a:p>
@@ -7313,7 +7277,7 @@
                   <a:schemeClr val="accent2"/>
                 </a:solidFill>
               </a:rPr>
-              <a:t>This UML shows how the factory pattern works. </a:t>
+              <a:t>SquareFactory interface is inherited by the Factory class.</a:t>
             </a:r>
             <a:endParaRPr sz="1400">
               <a:solidFill>
@@ -7341,7 +7305,7 @@
                   <a:schemeClr val="accent2"/>
                 </a:solidFill>
               </a:rPr>
-              <a:t>There is a SquareFactory interface that the Factory inherits from and then the GetSquare method uses </a:t>
+              <a:t>The GetSquare method uses </a:t>
             </a:r>
             <a:r>
               <a:rPr lang="en" sz="1400">
@@ -7349,15 +7313,7 @@
                   <a:schemeClr val="accent2"/>
                 </a:solidFill>
               </a:rPr>
-              <a:t>enumeration</a:t>
-            </a:r>
-            <a:r>
-              <a:rPr lang="en" sz="1400">
-                <a:solidFill>
-                  <a:schemeClr val="accent2"/>
-                </a:solidFill>
-              </a:rPr>
-              <a:t> to select and return the different colors of squares.</a:t>
+              <a:t>enumeration.</a:t>
             </a:r>
             <a:endParaRPr sz="1400">
               <a:solidFill>
@@ -7385,7 +7341,7 @@
                   <a:schemeClr val="accent2"/>
                 </a:solidFill>
               </a:rPr>
-              <a:t>The square classes inherit from the ISquare Interface.</a:t>
+              <a:t>Square classes inherit from the ISquare Interface.</a:t>
             </a:r>
             <a:endParaRPr sz="1400">
               <a:solidFill>
@@ -7504,7 +7460,7 @@
         <p:spPr>
           <a:xfrm>
             <a:off x="311700" y="1016875"/>
-            <a:ext cx="4260300" cy="4126500"/>
+            <a:ext cx="4015200" cy="2085000"/>
           </a:xfrm>
           <a:prstGeom prst="rect">
             <a:avLst/>
@@ -7512,11 +7468,11 @@
         </p:spPr>
         <p:txBody>
           <a:bodyPr anchorCtr="0" anchor="t" bIns="91425" lIns="91425" spcFirstLastPara="1" rIns="91425" wrap="square" tIns="91425">
-            <a:normAutofit fontScale="92500" lnSpcReduction="20000"/>
+            <a:normAutofit/>
           </a:bodyPr>
           <a:lstStyle/>
           <a:p>
-            <a:pPr indent="0" lvl="0" marL="0" rtl="0" algn="l">
+            <a:pPr indent="-304800" lvl="0" marL="457200" rtl="0" algn="l">
               <a:lnSpc>
                 <a:spcPct val="100000"/>
               </a:lnSpc>
@@ -7526,29 +7482,33 @@
               <a:spcAft>
                 <a:spcPts val="0"/>
               </a:spcAft>
-              <a:buNone/>
+              <a:buClr>
+                <a:schemeClr val="dk1"/>
+              </a:buClr>
+              <a:buSzPts val="1200"/>
+              <a:buChar char="●"/>
             </a:pPr>
             <a:r>
-              <a:rPr lang="en" sz="1500">
+              <a:rPr lang="en" sz="1200">
                 <a:solidFill>
                   <a:schemeClr val="dk1"/>
                 </a:solidFill>
               </a:rPr>
-              <a:t>There are four decorators:</a:t>
+              <a:t>Four different decorators</a:t>
             </a:r>
-            <a:endParaRPr sz="1500">
+            <a:endParaRPr sz="1200">
               <a:solidFill>
                 <a:schemeClr val="dk1"/>
               </a:solidFill>
             </a:endParaRPr>
           </a:p>
           <a:p>
-            <a:pPr indent="-316706" lvl="0" marL="457200" rtl="0" algn="l">
+            <a:pPr indent="-304800" lvl="0" marL="457200" rtl="0" algn="l">
               <a:lnSpc>
                 <a:spcPct val="100000"/>
               </a:lnSpc>
               <a:spcBef>
-                <a:spcPts val="1200"/>
+                <a:spcPts val="0"/>
               </a:spcBef>
               <a:spcAft>
                 <a:spcPts val="0"/>
@@ -7556,25 +7516,25 @@
               <a:buClr>
                 <a:schemeClr val="dk1"/>
               </a:buClr>
-              <a:buSzPct val="100000"/>
-              <a:buAutoNum type="arabicPeriod"/>
+              <a:buSzPts val="1200"/>
+              <a:buChar char="●"/>
             </a:pPr>
             <a:r>
-              <a:rPr lang="en" sz="1500">
+              <a:rPr lang="en" sz="1200">
                 <a:solidFill>
                   <a:schemeClr val="dk1"/>
                 </a:solidFill>
               </a:rPr>
-              <a:t>RedPieceDecorator</a:t>
+              <a:t>The program checks the valid moves of the pieces using the decorator methods. </a:t>
             </a:r>
-            <a:endParaRPr sz="1500">
+            <a:endParaRPr sz="1200">
               <a:solidFill>
                 <a:schemeClr val="dk1"/>
               </a:solidFill>
             </a:endParaRPr>
           </a:p>
           <a:p>
-            <a:pPr indent="-316706" lvl="0" marL="457200" rtl="0" algn="l">
+            <a:pPr indent="-304800" lvl="0" marL="457200" rtl="0" algn="l">
               <a:lnSpc>
                 <a:spcPct val="100000"/>
               </a:lnSpc>
@@ -7587,25 +7547,25 @@
               <a:buClr>
                 <a:schemeClr val="dk1"/>
               </a:buClr>
-              <a:buSzPct val="100000"/>
-              <a:buAutoNum type="arabicPeriod"/>
+              <a:buSzPts val="1200"/>
+              <a:buChar char="●"/>
             </a:pPr>
             <a:r>
-              <a:rPr lang="en" sz="1500">
+              <a:rPr lang="en" sz="1200">
                 <a:solidFill>
                   <a:schemeClr val="dk1"/>
                 </a:solidFill>
               </a:rPr>
-              <a:t>BluePieceDecorator</a:t>
+              <a:t>CheckValidMoves method checks the component and uses its methods if it is not null. </a:t>
             </a:r>
-            <a:endParaRPr sz="1500">
+            <a:endParaRPr sz="1200">
               <a:solidFill>
                 <a:schemeClr val="dk1"/>
               </a:solidFill>
             </a:endParaRPr>
           </a:p>
           <a:p>
-            <a:pPr indent="-316706" lvl="0" marL="457200" rtl="0" algn="l">
+            <a:pPr indent="-304800" lvl="0" marL="457200" rtl="0" algn="l">
               <a:lnSpc>
                 <a:spcPct val="100000"/>
               </a:lnSpc>
@@ -7618,25 +7578,25 @@
               <a:buClr>
                 <a:schemeClr val="dk1"/>
               </a:buClr>
-              <a:buSzPct val="100000"/>
-              <a:buAutoNum type="arabicPeriod"/>
+              <a:buSzPts val="1200"/>
+              <a:buChar char="●"/>
             </a:pPr>
             <a:r>
-              <a:rPr lang="en" sz="1500">
+              <a:rPr lang="en" sz="1200">
                 <a:solidFill>
                   <a:schemeClr val="dk1"/>
                 </a:solidFill>
               </a:rPr>
-              <a:t>BlankPiece</a:t>
+              <a:t>Valid moves are displayed to the player through move highlighting.</a:t>
             </a:r>
-            <a:endParaRPr sz="1500">
+            <a:endParaRPr sz="1200">
               <a:solidFill>
                 <a:schemeClr val="dk1"/>
               </a:solidFill>
             </a:endParaRPr>
           </a:p>
           <a:p>
-            <a:pPr indent="-316706" lvl="0" marL="457200" rtl="0" algn="l">
+            <a:pPr indent="-304800" lvl="0" marL="457200" rtl="0" algn="l">
               <a:lnSpc>
                 <a:spcPct val="100000"/>
               </a:lnSpc>
@@ -7649,164 +7609,18 @@
               <a:buClr>
                 <a:schemeClr val="dk1"/>
               </a:buClr>
-              <a:buSzPct val="100000"/>
-              <a:buAutoNum type="arabicPeriod"/>
+              <a:buSzPts val="1200"/>
+              <a:buChar char="●"/>
             </a:pPr>
             <a:r>
-              <a:rPr lang="en" sz="1500">
+              <a:rPr lang="en" sz="1200">
                 <a:solidFill>
                   <a:schemeClr val="dk1"/>
                 </a:solidFill>
               </a:rPr>
-              <a:t>KingPieceDecorator</a:t>
+              <a:t>The player object either takes the pieces or swaps the blank space with the correct decorator in order to move. </a:t>
             </a:r>
-            <a:endParaRPr sz="1500">
-              <a:solidFill>
-                <a:schemeClr val="dk1"/>
-              </a:solidFill>
-            </a:endParaRPr>
-          </a:p>
-          <a:p>
-            <a:pPr indent="0" lvl="0" marL="457200" rtl="0" algn="l">
-              <a:lnSpc>
-                <a:spcPct val="100000"/>
-              </a:lnSpc>
-              <a:spcBef>
-                <a:spcPts val="1200"/>
-              </a:spcBef>
-              <a:spcAft>
-                <a:spcPts val="0"/>
-              </a:spcAft>
-              <a:buNone/>
-            </a:pPr>
-            <a:r>
-              <a:t/>
-            </a:r>
-            <a:endParaRPr sz="1500">
-              <a:solidFill>
-                <a:schemeClr val="dk1"/>
-              </a:solidFill>
-            </a:endParaRPr>
-          </a:p>
-          <a:p>
-            <a:pPr indent="-316706" lvl="0" marL="457200" rtl="0" algn="l">
-              <a:lnSpc>
-                <a:spcPct val="100000"/>
-              </a:lnSpc>
-              <a:spcBef>
-                <a:spcPts val="1200"/>
-              </a:spcBef>
-              <a:spcAft>
-                <a:spcPts val="0"/>
-              </a:spcAft>
-              <a:buClr>
-                <a:schemeClr val="dk1"/>
-              </a:buClr>
-              <a:buSzPct val="100000"/>
-              <a:buChar char="●"/>
-            </a:pPr>
-            <a:r>
-              <a:rPr lang="en" sz="1500">
-                <a:solidFill>
-                  <a:schemeClr val="dk1"/>
-                </a:solidFill>
-              </a:rPr>
-              <a:t>Whenever a piece is about to be moved, the program checks the valid moves of the pieces, using the correct decorator method. </a:t>
-            </a:r>
-            <a:endParaRPr sz="1500">
-              <a:solidFill>
-                <a:schemeClr val="dk1"/>
-              </a:solidFill>
-            </a:endParaRPr>
-          </a:p>
-          <a:p>
-            <a:pPr indent="-316706" lvl="0" marL="457200" rtl="0" algn="l">
-              <a:lnSpc>
-                <a:spcPct val="100000"/>
-              </a:lnSpc>
-              <a:spcBef>
-                <a:spcPts val="0"/>
-              </a:spcBef>
-              <a:spcAft>
-                <a:spcPts val="0"/>
-              </a:spcAft>
-              <a:buClr>
-                <a:schemeClr val="dk1"/>
-              </a:buClr>
-              <a:buSzPct val="100000"/>
-              <a:buChar char="●"/>
-            </a:pPr>
-            <a:r>
-              <a:rPr lang="en" sz="1500">
-                <a:solidFill>
-                  <a:schemeClr val="dk1"/>
-                </a:solidFill>
-              </a:rPr>
-              <a:t>In each decorator CheckValidMoves method, the program checks the component and if the component is not null, the program uses the component’s methods.</a:t>
-            </a:r>
-            <a:endParaRPr sz="1500">
-              <a:solidFill>
-                <a:schemeClr val="dk1"/>
-              </a:solidFill>
-            </a:endParaRPr>
-          </a:p>
-          <a:p>
-            <a:pPr indent="-316706" lvl="0" marL="457200" rtl="0" algn="l">
-              <a:lnSpc>
-                <a:spcPct val="100000"/>
-              </a:lnSpc>
-              <a:spcBef>
-                <a:spcPts val="0"/>
-              </a:spcBef>
-              <a:spcAft>
-                <a:spcPts val="0"/>
-              </a:spcAft>
-              <a:buClr>
-                <a:schemeClr val="dk1"/>
-              </a:buClr>
-              <a:buSzPct val="100000"/>
-              <a:buChar char="●"/>
-            </a:pPr>
-            <a:r>
-              <a:rPr lang="en" sz="1500">
-                <a:solidFill>
-                  <a:schemeClr val="dk1"/>
-                </a:solidFill>
-              </a:rPr>
-              <a:t>After checking the moves, the moves are displayed to the player through piece highlighting. </a:t>
-            </a:r>
-            <a:endParaRPr sz="1500">
-              <a:solidFill>
-                <a:schemeClr val="dk1"/>
-              </a:solidFill>
-            </a:endParaRPr>
-          </a:p>
-          <a:p>
-            <a:pPr indent="-316706" lvl="0" marL="457200" rtl="0" algn="l">
-              <a:lnSpc>
-                <a:spcPct val="100000"/>
-              </a:lnSpc>
-              <a:spcBef>
-                <a:spcPts val="0"/>
-              </a:spcBef>
-              <a:spcAft>
-                <a:spcPts val="0"/>
-              </a:spcAft>
-              <a:buClr>
-                <a:schemeClr val="dk1"/>
-              </a:buClr>
-              <a:buSzPct val="100000"/>
-              <a:buChar char="●"/>
-            </a:pPr>
-            <a:r>
-              <a:rPr lang="en" sz="1500">
-                <a:solidFill>
-                  <a:schemeClr val="dk1"/>
-                </a:solidFill>
-              </a:rPr>
-              <a:t>Once the user picks a move, the player object either takes the pieces or swaps the blank space with the correct decorator. </a:t>
-            </a:r>
-            <a:endParaRPr sz="1500">
+            <a:endParaRPr sz="1200">
               <a:solidFill>
                 <a:schemeClr val="dk1"/>
               </a:solidFill>
@@ -7830,8 +7644,8 @@
         </p:blipFill>
         <p:spPr>
           <a:xfrm>
-            <a:off x="4659150" y="1016863"/>
-            <a:ext cx="4267199" cy="3687629"/>
+            <a:off x="4201175" y="908950"/>
+            <a:ext cx="4900073" cy="4234549"/>
           </a:xfrm>
           <a:prstGeom prst="rect">
             <a:avLst/>
@@ -8005,7 +7819,7 @@
                   <a:schemeClr val="dk1"/>
                 </a:solidFill>
               </a:rPr>
-              <a:t>If a user wants the board color to be changed, they can select a color from the settings window at the main menu.</a:t>
+              <a:t>Board color can be chosen from the menu.</a:t>
             </a:r>
             <a:endParaRPr>
               <a:solidFill>
@@ -8150,23 +7964,7 @@
                   <a:schemeClr val="dk1"/>
                 </a:solidFill>
               </a:rPr>
-              <a:t>We were unable to get the multiplayer feature in the program working so we </a:t>
-            </a:r>
-            <a:r>
-              <a:rPr lang="en" sz="1600">
-                <a:solidFill>
-                  <a:schemeClr val="dk1"/>
-                </a:solidFill>
-              </a:rPr>
-              <a:t>might</a:t>
-            </a:r>
-            <a:r>
-              <a:rPr lang="en" sz="1600">
-                <a:solidFill>
-                  <a:schemeClr val="dk1"/>
-                </a:solidFill>
-              </a:rPr>
-              <a:t> finish this feature and add it to the project at a later date. </a:t>
+              <a:t>Multiplayer</a:t>
             </a:r>
             <a:endParaRPr sz="1600">
               <a:solidFill>
@@ -8194,7 +7992,7 @@
                   <a:schemeClr val="dk1"/>
                 </a:solidFill>
               </a:rPr>
-              <a:t>We also made it a stretch goal to be able to save and load a game, so we may also implement this feature at some point in the future.</a:t>
+              <a:t>Save and load game feature</a:t>
             </a:r>
             <a:endParaRPr sz="1600"/>
           </a:p>
@@ -8332,7 +8130,7 @@
         <p:spPr>
           <a:xfrm>
             <a:off x="311700" y="1152475"/>
-            <a:ext cx="5843100" cy="3416400"/>
+            <a:ext cx="4446900" cy="3841800"/>
           </a:xfrm>
           <a:prstGeom prst="rect">
             <a:avLst/>
@@ -8340,7 +8138,7 @@
         </p:spPr>
         <p:txBody>
           <a:bodyPr anchorCtr="0" anchor="t" bIns="91425" lIns="91425" spcFirstLastPara="1" rIns="91425" wrap="square" tIns="91425">
-            <a:normAutofit/>
+            <a:normAutofit fontScale="77500" lnSpcReduction="20000"/>
           </a:bodyPr>
           <a:lstStyle/>
           <a:p>
@@ -8448,6 +8246,22 @@
               </a:rPr>
               <a:t>Daniel’s Repo: </a:t>
             </a:r>
+            <a:endParaRPr>
+              <a:solidFill>
+                <a:schemeClr val="dk1"/>
+              </a:solidFill>
+            </a:endParaRPr>
+          </a:p>
+          <a:p>
+            <a:pPr indent="0" lvl="0" marL="0" rtl="0" algn="l">
+              <a:spcBef>
+                <a:spcPts val="1200"/>
+              </a:spcBef>
+              <a:spcAft>
+                <a:spcPts val="0"/>
+              </a:spcAft>
+              <a:buNone/>
+            </a:pPr>
             <a:r>
               <a:rPr lang="en" u="sng">
                 <a:solidFill>
@@ -8456,6 +8270,66 @@
                 <a:hlinkClick r:id="rId6"/>
               </a:rPr>
               <a:t>https://github.com/Daniel-Cunningham02</a:t>
+            </a:r>
+            <a:endParaRPr/>
+          </a:p>
+          <a:p>
+            <a:pPr indent="0" lvl="0" marL="0" rtl="0" algn="l">
+              <a:spcBef>
+                <a:spcPts val="1200"/>
+              </a:spcBef>
+              <a:spcAft>
+                <a:spcPts val="0"/>
+              </a:spcAft>
+              <a:buNone/>
+            </a:pPr>
+            <a:r>
+              <a:rPr lang="en">
+                <a:solidFill>
+                  <a:schemeClr val="dk1"/>
+                </a:solidFill>
+              </a:rPr>
+              <a:t>Project Repo: </a:t>
+            </a:r>
+            <a:endParaRPr>
+              <a:solidFill>
+                <a:schemeClr val="dk1"/>
+              </a:solidFill>
+            </a:endParaRPr>
+          </a:p>
+          <a:p>
+            <a:pPr indent="0" lvl="0" marL="0" rtl="0" algn="l">
+              <a:spcBef>
+                <a:spcPts val="1200"/>
+              </a:spcBef>
+              <a:spcAft>
+                <a:spcPts val="0"/>
+              </a:spcAft>
+              <a:buNone/>
+            </a:pPr>
+            <a:r>
+              <a:rPr lang="en" u="sng">
+                <a:solidFill>
+                  <a:schemeClr val="hlink"/>
+                </a:solidFill>
+                <a:hlinkClick r:id="rId7"/>
+              </a:rPr>
+              <a:t>https://github.com/Daniel-Cunningham02/CSCI-352-Checkers-Project</a:t>
+            </a:r>
+            <a:endParaRPr/>
+          </a:p>
+          <a:p>
+            <a:pPr indent="0" lvl="0" marL="0" rtl="0" algn="l">
+              <a:spcBef>
+                <a:spcPts val="1200"/>
+              </a:spcBef>
+              <a:spcAft>
+                <a:spcPts val="0"/>
+              </a:spcAft>
+              <a:buNone/>
+            </a:pPr>
+            <a:r>
+              <a:t/>
             </a:r>
             <a:endParaRPr/>
           </a:p>
@@ -8483,7 +8357,7 @@
           <p:nvPr/>
         </p:nvPicPr>
         <p:blipFill>
-          <a:blip r:embed="rId7">
+          <a:blip r:embed="rId8">
             <a:alphaModFix/>
           </a:blip>
           <a:stretch>
@@ -8513,6 +8387,285 @@
 </file>
 
 <file path=ppt/theme/theme1.xml><?xml version="1.0" encoding="utf-8"?>
+<a:theme xmlns:a="http://schemas.openxmlformats.org/drawingml/2006/main" xmlns:r="http://schemas.openxmlformats.org/officeDocument/2006/relationships">
+  <a:themeElements>
+    <a:clrScheme name="Default">
+      <a:dk1>
+        <a:srgbClr val="000000"/>
+      </a:dk1>
+      <a:lt1>
+        <a:srgbClr val="FFFFFF"/>
+      </a:lt1>
+      <a:dk2>
+        <a:srgbClr val="158158"/>
+      </a:dk2>
+      <a:lt2>
+        <a:srgbClr val="F3F3F3"/>
+      </a:lt2>
+      <a:accent1>
+        <a:srgbClr val="058DC7"/>
+      </a:accent1>
+      <a:accent2>
+        <a:srgbClr val="50B432"/>
+      </a:accent2>
+      <a:accent3>
+        <a:srgbClr val="ED561B"/>
+      </a:accent3>
+      <a:accent4>
+        <a:srgbClr val="EDEF00"/>
+      </a:accent4>
+      <a:accent5>
+        <a:srgbClr val="24CBE5"/>
+      </a:accent5>
+      <a:accent6>
+        <a:srgbClr val="64E572"/>
+      </a:accent6>
+      <a:hlink>
+        <a:srgbClr val="2200CC"/>
+      </a:hlink>
+      <a:folHlink>
+        <a:srgbClr val="551A8B"/>
+      </a:folHlink>
+    </a:clrScheme>
+    <a:fontScheme name="Office">
+      <a:majorFont>
+        <a:latin typeface="Arial"/>
+        <a:ea typeface=""/>
+        <a:cs typeface=""/>
+        <a:font script="Jpan" typeface="ＭＳ Ｐゴシック"/>
+        <a:font script="Hang" typeface="맑은 고딕"/>
+        <a:font script="Hans" typeface="宋体"/>
+        <a:font script="Hant" typeface="新細明體"/>
+        <a:font script="Arab" typeface="Times New Roman"/>
+        <a:font script="Hebr" typeface="Times New Roman"/>
+        <a:font script="Thai" typeface="Angsana New"/>
+        <a:font script="Ethi" typeface="Nyala"/>
+        <a:font script="Beng" typeface="Vrinda"/>
+        <a:font script="Gujr" typeface="Shruti"/>
+        <a:font script="Khmr" typeface="MoolBoran"/>
+        <a:font script="Knda" typeface="Tunga"/>
+        <a:font script="Guru" typeface="Raavi"/>
+        <a:font script="Cans" typeface="Euphemia"/>
+        <a:font script="Cher" typeface="Plantagenet Cherokee"/>
+        <a:font script="Yiii" typeface="Microsoft Yi Baiti"/>
+        <a:font script="Tibt" typeface="Microsoft Himalaya"/>
+        <a:font script="Thaa" typeface="MV Boli"/>
+        <a:font script="Deva" typeface="Mangal"/>
+        <a:font script="Telu" typeface="Gautami"/>
+        <a:font script="Taml" typeface="Latha"/>
+        <a:font script="Syrc" typeface="Estrangelo Edessa"/>
+        <a:font script="Orya" typeface="Kalinga"/>
+        <a:font script="Mlym" typeface="Kartika"/>
+        <a:font script="Laoo" typeface="DokChampa"/>
+        <a:font script="Sinh" typeface="Iskoola Pota"/>
+        <a:font script="Mong" typeface="Mongolian Baiti"/>
+        <a:font script="Viet" typeface="Times New Roman"/>
+        <a:font script="Uigh" typeface="Microsoft Uighur"/>
+        <a:font script="Geor" typeface="Sylfaen"/>
+      </a:majorFont>
+      <a:minorFont>
+        <a:latin typeface="Arial"/>
+        <a:ea typeface=""/>
+        <a:cs typeface=""/>
+        <a:font script="Jpan" typeface="ＭＳ Ｐゴシック"/>
+        <a:font script="Hang" typeface="맑은 고딕"/>
+        <a:font script="Hans" typeface="宋体"/>
+        <a:font script="Hant" typeface="新細明體"/>
+        <a:font script="Arab" typeface="Arial"/>
+        <a:font script="Hebr" typeface="Arial"/>
+        <a:font script="Thai" typeface="Cordia New"/>
+        <a:font script="Ethi" typeface="Nyala"/>
+        <a:font script="Beng" typeface="Vrinda"/>
+        <a:font script="Gujr" typeface="Shruti"/>
+        <a:font script="Khmr" typeface="DaunPenh"/>
+        <a:font script="Knda" typeface="Tunga"/>
+        <a:font script="Guru" typeface="Raavi"/>
+        <a:font script="Cans" typeface="Euphemia"/>
+        <a:font script="Cher" typeface="Plantagenet Cherokee"/>
+        <a:font script="Yiii" typeface="Microsoft Yi Baiti"/>
+        <a:font script="Tibt" typeface="Microsoft Himalaya"/>
+        <a:font script="Thaa" typeface="MV Boli"/>
+        <a:font script="Deva" typeface="Mangal"/>
+        <a:font script="Telu" typeface="Gautami"/>
+        <a:font script="Taml" typeface="Latha"/>
+        <a:font script="Syrc" typeface="Estrangelo Edessa"/>
+        <a:font script="Orya" typeface="Kalinga"/>
+        <a:font script="Mlym" typeface="Kartika"/>
+        <a:font script="Laoo" typeface="DokChampa"/>
+        <a:font script="Sinh" typeface="Iskoola Pota"/>
+        <a:font script="Mong" typeface="Mongolian Baiti"/>
+        <a:font script="Viet" typeface="Arial"/>
+        <a:font script="Uigh" typeface="Microsoft Uighur"/>
+        <a:font script="Geor" typeface="Sylfaen"/>
+      </a:minorFont>
+    </a:fontScheme>
+    <a:fmtScheme name="Office">
+      <a:fillStyleLst>
+        <a:solidFill>
+          <a:schemeClr val="phClr"/>
+        </a:solidFill>
+        <a:gradFill rotWithShape="1">
+          <a:gsLst>
+            <a:gs pos="0">
+              <a:schemeClr val="phClr">
+                <a:tint val="50000"/>
+                <a:satMod val="300000"/>
+              </a:schemeClr>
+            </a:gs>
+            <a:gs pos="35000">
+              <a:schemeClr val="phClr">
+                <a:tint val="37000"/>
+                <a:satMod val="300000"/>
+              </a:schemeClr>
+            </a:gs>
+            <a:gs pos="100000">
+              <a:schemeClr val="phClr">
+                <a:tint val="15000"/>
+                <a:satMod val="350000"/>
+              </a:schemeClr>
+            </a:gs>
+          </a:gsLst>
+          <a:lin ang="16200000" scaled="1"/>
+        </a:gradFill>
+        <a:gradFill rotWithShape="1">
+          <a:gsLst>
+            <a:gs pos="0">
+              <a:schemeClr val="phClr">
+                <a:tint val="100000"/>
+                <a:shade val="100000"/>
+                <a:satMod val="130000"/>
+              </a:schemeClr>
+            </a:gs>
+            <a:gs pos="100000">
+              <a:schemeClr val="phClr">
+                <a:tint val="50000"/>
+                <a:shade val="100000"/>
+                <a:satMod val="350000"/>
+              </a:schemeClr>
+            </a:gs>
+          </a:gsLst>
+          <a:lin ang="16200000" scaled="0"/>
+        </a:gradFill>
+      </a:fillStyleLst>
+      <a:lnStyleLst>
+        <a:ln w="9525" cap="flat" cmpd="sng" algn="ctr">
+          <a:solidFill>
+            <a:schemeClr val="phClr">
+              <a:shade val="95000"/>
+              <a:satMod val="105000"/>
+            </a:schemeClr>
+          </a:solidFill>
+          <a:prstDash val="solid"/>
+        </a:ln>
+        <a:ln w="25400" cap="flat" cmpd="sng" algn="ctr">
+          <a:solidFill>
+            <a:schemeClr val="phClr"/>
+          </a:solidFill>
+          <a:prstDash val="solid"/>
+        </a:ln>
+        <a:ln w="38100" cap="flat" cmpd="sng" algn="ctr">
+          <a:solidFill>
+            <a:schemeClr val="phClr"/>
+          </a:solidFill>
+          <a:prstDash val="solid"/>
+        </a:ln>
+      </a:lnStyleLst>
+      <a:effectStyleLst>
+        <a:effectStyle>
+          <a:effectLst>
+            <a:outerShdw blurRad="40000" dist="20000" dir="5400000" rotWithShape="0">
+              <a:srgbClr val="000000">
+                <a:alpha val="38000"/>
+              </a:srgbClr>
+            </a:outerShdw>
+          </a:effectLst>
+        </a:effectStyle>
+        <a:effectStyle>
+          <a:effectLst>
+            <a:outerShdw blurRad="40000" dist="23000" dir="5400000" rotWithShape="0">
+              <a:srgbClr val="000000">
+                <a:alpha val="35000"/>
+              </a:srgbClr>
+            </a:outerShdw>
+          </a:effectLst>
+        </a:effectStyle>
+        <a:effectStyle>
+          <a:effectLst>
+            <a:outerShdw blurRad="40000" dist="23000" dir="5400000" rotWithShape="0">
+              <a:srgbClr val="000000">
+                <a:alpha val="35000"/>
+              </a:srgbClr>
+            </a:outerShdw>
+          </a:effectLst>
+          <a:scene3d>
+            <a:camera prst="orthographicFront">
+              <a:rot lat="0" lon="0" rev="0"/>
+            </a:camera>
+            <a:lightRig rig="threePt" dir="t">
+              <a:rot lat="0" lon="0" rev="1200000"/>
+            </a:lightRig>
+          </a:scene3d>
+          <a:sp3d>
+            <a:bevelT w="63500" h="25400"/>
+          </a:sp3d>
+        </a:effectStyle>
+      </a:effectStyleLst>
+      <a:bgFillStyleLst>
+        <a:solidFill>
+          <a:schemeClr val="phClr"/>
+        </a:solidFill>
+        <a:gradFill rotWithShape="1">
+          <a:gsLst>
+            <a:gs pos="0">
+              <a:schemeClr val="phClr">
+                <a:tint val="40000"/>
+                <a:satMod val="350000"/>
+              </a:schemeClr>
+            </a:gs>
+            <a:gs pos="40000">
+              <a:schemeClr val="phClr">
+                <a:tint val="45000"/>
+                <a:shade val="99000"/>
+                <a:satMod val="350000"/>
+              </a:schemeClr>
+            </a:gs>
+            <a:gs pos="100000">
+              <a:schemeClr val="phClr">
+                <a:shade val="20000"/>
+                <a:satMod val="255000"/>
+              </a:schemeClr>
+            </a:gs>
+          </a:gsLst>
+          <a:path path="circle">
+            <a:fillToRect l="50000" t="-80000" r="50000" b="180000"/>
+          </a:path>
+        </a:gradFill>
+        <a:gradFill rotWithShape="1">
+          <a:gsLst>
+            <a:gs pos="0">
+              <a:schemeClr val="phClr">
+                <a:tint val="80000"/>
+                <a:satMod val="300000"/>
+              </a:schemeClr>
+            </a:gs>
+            <a:gs pos="100000">
+              <a:schemeClr val="phClr">
+                <a:shade val="30000"/>
+                <a:satMod val="200000"/>
+              </a:schemeClr>
+            </a:gs>
+          </a:gsLst>
+          <a:path path="circle">
+            <a:fillToRect l="50000" t="50000" r="50000" b="50000"/>
+          </a:path>
+        </a:gradFill>
+      </a:bgFillStyleLst>
+    </a:fmtScheme>
+  </a:themeElements>
+</a:theme>
+</file>
+
+<file path=ppt/theme/theme2.xml><?xml version="1.0" encoding="utf-8"?>
 <a:theme xmlns:a="http://schemas.openxmlformats.org/drawingml/2006/main" xmlns:r="http://schemas.openxmlformats.org/officeDocument/2006/relationships" name="Simple Light">
   <a:themeElements>
     <a:clrScheme name="Simple Light">
@@ -8789,283 +8942,4 @@
     </a:fmtScheme>
   </a:themeElements>
 </a:theme>
-</file>
-
-<file path=ppt/theme/theme2.xml><?xml version="1.0" encoding="utf-8"?>
-<a:theme xmlns:a="http://schemas.openxmlformats.org/drawingml/2006/main" xmlns:r="http://schemas.openxmlformats.org/officeDocument/2006/relationships">
-  <a:themeElements>
-    <a:clrScheme name="Default">
-      <a:dk1>
-        <a:srgbClr val="000000"/>
-      </a:dk1>
-      <a:lt1>
-        <a:srgbClr val="FFFFFF"/>
-      </a:lt1>
-      <a:dk2>
-        <a:srgbClr val="158158"/>
-      </a:dk2>
-      <a:lt2>
-        <a:srgbClr val="F3F3F3"/>
-      </a:lt2>
-      <a:accent1>
-        <a:srgbClr val="058DC7"/>
-      </a:accent1>
-      <a:accent2>
-        <a:srgbClr val="50B432"/>
-      </a:accent2>
-      <a:accent3>
-        <a:srgbClr val="ED561B"/>
-      </a:accent3>
-      <a:accent4>
-        <a:srgbClr val="EDEF00"/>
-      </a:accent4>
-      <a:accent5>
-        <a:srgbClr val="24CBE5"/>
-      </a:accent5>
-      <a:accent6>
-        <a:srgbClr val="64E572"/>
-      </a:accent6>
-      <a:hlink>
-        <a:srgbClr val="2200CC"/>
-      </a:hlink>
-      <a:folHlink>
-        <a:srgbClr val="551A8B"/>
-      </a:folHlink>
-    </a:clrScheme>
-    <a:fontScheme name="Office">
-      <a:majorFont>
-        <a:latin typeface="Arial"/>
-        <a:ea typeface=""/>
-        <a:cs typeface=""/>
-        <a:font script="Jpan" typeface="ＭＳ Ｐゴシック"/>
-        <a:font script="Hang" typeface="맑은 고딕"/>
-        <a:font script="Hans" typeface="宋体"/>
-        <a:font script="Hant" typeface="新細明體"/>
-        <a:font script="Arab" typeface="Times New Roman"/>
-        <a:font script="Hebr" typeface="Times New Roman"/>
-        <a:font script="Thai" typeface="Angsana New"/>
-        <a:font script="Ethi" typeface="Nyala"/>
-        <a:font script="Beng" typeface="Vrinda"/>
-        <a:font script="Gujr" typeface="Shruti"/>
-        <a:font script="Khmr" typeface="MoolBoran"/>
-        <a:font script="Knda" typeface="Tunga"/>
-        <a:font script="Guru" typeface="Raavi"/>
-        <a:font script="Cans" typeface="Euphemia"/>
-        <a:font script="Cher" typeface="Plantagenet Cherokee"/>
-        <a:font script="Yiii" typeface="Microsoft Yi Baiti"/>
-        <a:font script="Tibt" typeface="Microsoft Himalaya"/>
-        <a:font script="Thaa" typeface="MV Boli"/>
-        <a:font script="Deva" typeface="Mangal"/>
-        <a:font script="Telu" typeface="Gautami"/>
-        <a:font script="Taml" typeface="Latha"/>
-        <a:font script="Syrc" typeface="Estrangelo Edessa"/>
-        <a:font script="Orya" typeface="Kalinga"/>
-        <a:font script="Mlym" typeface="Kartika"/>
-        <a:font script="Laoo" typeface="DokChampa"/>
-        <a:font script="Sinh" typeface="Iskoola Pota"/>
-        <a:font script="Mong" typeface="Mongolian Baiti"/>
-        <a:font script="Viet" typeface="Times New Roman"/>
-        <a:font script="Uigh" typeface="Microsoft Uighur"/>
-        <a:font script="Geor" typeface="Sylfaen"/>
-      </a:majorFont>
-      <a:minorFont>
-        <a:latin typeface="Arial"/>
-        <a:ea typeface=""/>
-        <a:cs typeface=""/>
-        <a:font script="Jpan" typeface="ＭＳ Ｐゴシック"/>
-        <a:font script="Hang" typeface="맑은 고딕"/>
-        <a:font script="Hans" typeface="宋体"/>
-        <a:font script="Hant" typeface="新細明體"/>
-        <a:font script="Arab" typeface="Arial"/>
-        <a:font script="Hebr" typeface="Arial"/>
-        <a:font script="Thai" typeface="Cordia New"/>
-        <a:font script="Ethi" typeface="Nyala"/>
-        <a:font script="Beng" typeface="Vrinda"/>
-        <a:font script="Gujr" typeface="Shruti"/>
-        <a:font script="Khmr" typeface="DaunPenh"/>
-        <a:font script="Knda" typeface="Tunga"/>
-        <a:font script="Guru" typeface="Raavi"/>
-        <a:font script="Cans" typeface="Euphemia"/>
-        <a:font script="Cher" typeface="Plantagenet Cherokee"/>
-        <a:font script="Yiii" typeface="Microsoft Yi Baiti"/>
-        <a:font script="Tibt" typeface="Microsoft Himalaya"/>
-        <a:font script="Thaa" typeface="MV Boli"/>
-        <a:font script="Deva" typeface="Mangal"/>
-        <a:font script="Telu" typeface="Gautami"/>
-        <a:font script="Taml" typeface="Latha"/>
-        <a:font script="Syrc" typeface="Estrangelo Edessa"/>
-        <a:font script="Orya" typeface="Kalinga"/>
-        <a:font script="Mlym" typeface="Kartika"/>
-        <a:font script="Laoo" typeface="DokChampa"/>
-        <a:font script="Sinh" typeface="Iskoola Pota"/>
-        <a:font script="Mong" typeface="Mongolian Baiti"/>
-        <a:font script="Viet" typeface="Arial"/>
-        <a:font script="Uigh" typeface="Microsoft Uighur"/>
-        <a:font script="Geor" typeface="Sylfaen"/>
-      </a:minorFont>
-    </a:fontScheme>
-    <a:fmtScheme name="Office">
-      <a:fillStyleLst>
-        <a:solidFill>
-          <a:schemeClr val="phClr"/>
-        </a:solidFill>
-        <a:gradFill rotWithShape="1">
-          <a:gsLst>
-            <a:gs pos="0">
-              <a:schemeClr val="phClr">
-                <a:tint val="50000"/>
-                <a:satMod val="300000"/>
-              </a:schemeClr>
-            </a:gs>
-            <a:gs pos="35000">
-              <a:schemeClr val="phClr">
-                <a:tint val="37000"/>
-                <a:satMod val="300000"/>
-              </a:schemeClr>
-            </a:gs>
-            <a:gs pos="100000">
-              <a:schemeClr val="phClr">
-                <a:tint val="15000"/>
-                <a:satMod val="350000"/>
-              </a:schemeClr>
-            </a:gs>
-          </a:gsLst>
-          <a:lin ang="16200000" scaled="1"/>
-        </a:gradFill>
-        <a:gradFill rotWithShape="1">
-          <a:gsLst>
-            <a:gs pos="0">
-              <a:schemeClr val="phClr">
-                <a:tint val="100000"/>
-                <a:shade val="100000"/>
-                <a:satMod val="130000"/>
-              </a:schemeClr>
-            </a:gs>
-            <a:gs pos="100000">
-              <a:schemeClr val="phClr">
-                <a:tint val="50000"/>
-                <a:shade val="100000"/>
-                <a:satMod val="350000"/>
-              </a:schemeClr>
-            </a:gs>
-          </a:gsLst>
-          <a:lin ang="16200000" scaled="0"/>
-        </a:gradFill>
-      </a:fillStyleLst>
-      <a:lnStyleLst>
-        <a:ln w="9525" cap="flat" cmpd="sng" algn="ctr">
-          <a:solidFill>
-            <a:schemeClr val="phClr">
-              <a:shade val="95000"/>
-              <a:satMod val="105000"/>
-            </a:schemeClr>
-          </a:solidFill>
-          <a:prstDash val="solid"/>
-        </a:ln>
-        <a:ln w="25400" cap="flat" cmpd="sng" algn="ctr">
-          <a:solidFill>
-            <a:schemeClr val="phClr"/>
-          </a:solidFill>
-          <a:prstDash val="solid"/>
-        </a:ln>
-        <a:ln w="38100" cap="flat" cmpd="sng" algn="ctr">
-          <a:solidFill>
-            <a:schemeClr val="phClr"/>
-          </a:solidFill>
-          <a:prstDash val="solid"/>
-        </a:ln>
-      </a:lnStyleLst>
-      <a:effectStyleLst>
-        <a:effectStyle>
-          <a:effectLst>
-            <a:outerShdw blurRad="40000" dist="20000" dir="5400000" rotWithShape="0">
-              <a:srgbClr val="000000">
-                <a:alpha val="38000"/>
-              </a:srgbClr>
-            </a:outerShdw>
-          </a:effectLst>
-        </a:effectStyle>
-        <a:effectStyle>
-          <a:effectLst>
-            <a:outerShdw blurRad="40000" dist="23000" dir="5400000" rotWithShape="0">
-              <a:srgbClr val="000000">
-                <a:alpha val="35000"/>
-              </a:srgbClr>
-            </a:outerShdw>
-          </a:effectLst>
-        </a:effectStyle>
-        <a:effectStyle>
-          <a:effectLst>
-            <a:outerShdw blurRad="40000" dist="23000" dir="5400000" rotWithShape="0">
-              <a:srgbClr val="000000">
-                <a:alpha val="35000"/>
-              </a:srgbClr>
-            </a:outerShdw>
-          </a:effectLst>
-          <a:scene3d>
-            <a:camera prst="orthographicFront">
-              <a:rot lat="0" lon="0" rev="0"/>
-            </a:camera>
-            <a:lightRig rig="threePt" dir="t">
-              <a:rot lat="0" lon="0" rev="1200000"/>
-            </a:lightRig>
-          </a:scene3d>
-          <a:sp3d>
-            <a:bevelT w="63500" h="25400"/>
-          </a:sp3d>
-        </a:effectStyle>
-      </a:effectStyleLst>
-      <a:bgFillStyleLst>
-        <a:solidFill>
-          <a:schemeClr val="phClr"/>
-        </a:solidFill>
-        <a:gradFill rotWithShape="1">
-          <a:gsLst>
-            <a:gs pos="0">
-              <a:schemeClr val="phClr">
-                <a:tint val="40000"/>
-                <a:satMod val="350000"/>
-              </a:schemeClr>
-            </a:gs>
-            <a:gs pos="40000">
-              <a:schemeClr val="phClr">
-                <a:tint val="45000"/>
-                <a:shade val="99000"/>
-                <a:satMod val="350000"/>
-              </a:schemeClr>
-            </a:gs>
-            <a:gs pos="100000">
-              <a:schemeClr val="phClr">
-                <a:shade val="20000"/>
-                <a:satMod val="255000"/>
-              </a:schemeClr>
-            </a:gs>
-          </a:gsLst>
-          <a:path path="circle">
-            <a:fillToRect l="50000" t="-80000" r="50000" b="180000"/>
-          </a:path>
-        </a:gradFill>
-        <a:gradFill rotWithShape="1">
-          <a:gsLst>
-            <a:gs pos="0">
-              <a:schemeClr val="phClr">
-                <a:tint val="80000"/>
-                <a:satMod val="300000"/>
-              </a:schemeClr>
-            </a:gs>
-            <a:gs pos="100000">
-              <a:schemeClr val="phClr">
-                <a:shade val="30000"/>
-                <a:satMod val="200000"/>
-              </a:schemeClr>
-            </a:gs>
-          </a:gsLst>
-          <a:path path="circle">
-            <a:fillToRect l="50000" t="50000" r="50000" b="50000"/>
-          </a:path>
-        </a:gradFill>
-      </a:bgFillStyleLst>
-    </a:fmtScheme>
-  </a:themeElements>
-</a:theme>
 </file>